--- a/SlideTemplate.pptx
+++ b/SlideTemplate.pptx
@@ -6,6 +6,7 @@
   </p:sldMasterIdLst>
   <p:sldIdLst>
     <p:sldId id="256" r:id="rId2"/>
+    <p:sldId id="257" r:id="rId3"/>
   </p:sldIdLst>
   <p:sldSz cx="12192000" cy="6858000"/>
   <p:notesSz cx="6858000" cy="9144000"/>
@@ -104,6 +105,11 @@
       </a:defRPr>
     </a:lvl9pPr>
   </p:defaultTextStyle>
+  <p:extLst>
+    <p:ext uri="{EFAFB233-063F-42B5-8137-9DF3F51BA10A}">
+      <p15:sldGuideLst xmlns:p15="http://schemas.microsoft.com/office/powerpoint/2012/main"/>
+    </p:ext>
+  </p:extLst>
 </p:presentation>
 </file>
 
@@ -152,7 +158,6 @@
               <a:rPr lang="en-US"/>
               <a:t>Click to edit Master title style</a:t>
             </a:r>
-            <a:endParaRPr lang="en-US"/>
           </a:p>
         </p:txBody>
       </p:sp>
@@ -217,7 +222,6 @@
               <a:rPr lang="en-US"/>
               <a:t>Click to edit Master subtitle style</a:t>
             </a:r>
-            <a:endParaRPr lang="en-US"/>
           </a:p>
         </p:txBody>
       </p:sp>
@@ -238,7 +242,7 @@
           <a:p>
             <a:fld id="{7B93D905-6CB8-4058-A254-9DFAD6745199}" type="datetimeFigureOut">
               <a:rPr lang="en-US" smtClean="0"/>
-              <a:t>12/21/2016</a:t>
+              <a:t>12/22/2016</a:t>
             </a:fld>
             <a:endParaRPr lang="en-US"/>
           </a:p>
@@ -335,7 +339,6 @@
               <a:rPr lang="en-US"/>
               <a:t>Click to edit Master title style</a:t>
             </a:r>
-            <a:endParaRPr lang="en-US"/>
           </a:p>
         </p:txBody>
       </p:sp>
@@ -387,7 +390,6 @@
               <a:rPr lang="en-US"/>
               <a:t>Fifth level</a:t>
             </a:r>
-            <a:endParaRPr lang="en-US"/>
           </a:p>
         </p:txBody>
       </p:sp>
@@ -408,7 +410,7 @@
           <a:p>
             <a:fld id="{7B93D905-6CB8-4058-A254-9DFAD6745199}" type="datetimeFigureOut">
               <a:rPr lang="en-US" smtClean="0"/>
-              <a:t>12/21/2016</a:t>
+              <a:t>12/22/2016</a:t>
             </a:fld>
             <a:endParaRPr lang="en-US"/>
           </a:p>
@@ -510,7 +512,6 @@
               <a:rPr lang="en-US"/>
               <a:t>Click to edit Master title style</a:t>
             </a:r>
-            <a:endParaRPr lang="en-US"/>
           </a:p>
         </p:txBody>
       </p:sp>
@@ -567,7 +568,6 @@
               <a:rPr lang="en-US"/>
               <a:t>Fifth level</a:t>
             </a:r>
-            <a:endParaRPr lang="en-US"/>
           </a:p>
         </p:txBody>
       </p:sp>
@@ -588,7 +588,7 @@
           <a:p>
             <a:fld id="{7B93D905-6CB8-4058-A254-9DFAD6745199}" type="datetimeFigureOut">
               <a:rPr lang="en-US" smtClean="0"/>
-              <a:t>12/21/2016</a:t>
+              <a:t>12/22/2016</a:t>
             </a:fld>
             <a:endParaRPr lang="en-US"/>
           </a:p>
@@ -685,7 +685,6 @@
               <a:rPr lang="en-US"/>
               <a:t>Click to edit Master title style</a:t>
             </a:r>
-            <a:endParaRPr lang="en-US"/>
           </a:p>
         </p:txBody>
       </p:sp>
@@ -737,7 +736,6 @@
               <a:rPr lang="en-US"/>
               <a:t>Fifth level</a:t>
             </a:r>
-            <a:endParaRPr lang="en-US"/>
           </a:p>
         </p:txBody>
       </p:sp>
@@ -758,7 +756,7 @@
           <a:p>
             <a:fld id="{7B93D905-6CB8-4058-A254-9DFAD6745199}" type="datetimeFigureOut">
               <a:rPr lang="en-US" smtClean="0"/>
-              <a:t>12/21/2016</a:t>
+              <a:t>12/22/2016</a:t>
             </a:fld>
             <a:endParaRPr lang="en-US"/>
           </a:p>
@@ -864,7 +862,6 @@
               <a:rPr lang="en-US"/>
               <a:t>Click to edit Master title style</a:t>
             </a:r>
-            <a:endParaRPr lang="en-US"/>
           </a:p>
         </p:txBody>
       </p:sp>
@@ -1004,7 +1001,7 @@
           <a:p>
             <a:fld id="{7B93D905-6CB8-4058-A254-9DFAD6745199}" type="datetimeFigureOut">
               <a:rPr lang="en-US" smtClean="0"/>
-              <a:t>12/21/2016</a:t>
+              <a:t>12/22/2016</a:t>
             </a:fld>
             <a:endParaRPr lang="en-US"/>
           </a:p>
@@ -1101,7 +1098,6 @@
               <a:rPr lang="en-US"/>
               <a:t>Click to edit Master title style</a:t>
             </a:r>
-            <a:endParaRPr lang="en-US"/>
           </a:p>
         </p:txBody>
       </p:sp>
@@ -1158,7 +1154,6 @@
               <a:rPr lang="en-US"/>
               <a:t>Fifth level</a:t>
             </a:r>
-            <a:endParaRPr lang="en-US"/>
           </a:p>
         </p:txBody>
       </p:sp>
@@ -1215,7 +1210,6 @@
               <a:rPr lang="en-US"/>
               <a:t>Fifth level</a:t>
             </a:r>
-            <a:endParaRPr lang="en-US"/>
           </a:p>
         </p:txBody>
       </p:sp>
@@ -1236,7 +1230,7 @@
           <a:p>
             <a:fld id="{7B93D905-6CB8-4058-A254-9DFAD6745199}" type="datetimeFigureOut">
               <a:rPr lang="en-US" smtClean="0"/>
-              <a:t>12/21/2016</a:t>
+              <a:t>12/22/2016</a:t>
             </a:fld>
             <a:endParaRPr lang="en-US"/>
           </a:p>
@@ -1338,7 +1332,6 @@
               <a:rPr lang="en-US"/>
               <a:t>Click to edit Master title style</a:t>
             </a:r>
-            <a:endParaRPr lang="en-US"/>
           </a:p>
         </p:txBody>
       </p:sp>
@@ -1460,7 +1453,6 @@
               <a:rPr lang="en-US"/>
               <a:t>Fifth level</a:t>
             </a:r>
-            <a:endParaRPr lang="en-US"/>
           </a:p>
         </p:txBody>
       </p:sp>
@@ -1582,7 +1574,6 @@
               <a:rPr lang="en-US"/>
               <a:t>Fifth level</a:t>
             </a:r>
-            <a:endParaRPr lang="en-US"/>
           </a:p>
         </p:txBody>
       </p:sp>
@@ -1603,7 +1594,7 @@
           <a:p>
             <a:fld id="{7B93D905-6CB8-4058-A254-9DFAD6745199}" type="datetimeFigureOut">
               <a:rPr lang="en-US" smtClean="0"/>
-              <a:t>12/21/2016</a:t>
+              <a:t>12/22/2016</a:t>
             </a:fld>
             <a:endParaRPr lang="en-US"/>
           </a:p>
@@ -1700,7 +1691,6 @@
               <a:rPr lang="en-US"/>
               <a:t>Click to edit Master title style</a:t>
             </a:r>
-            <a:endParaRPr lang="en-US"/>
           </a:p>
         </p:txBody>
       </p:sp>
@@ -1721,7 +1711,7 @@
           <a:p>
             <a:fld id="{7B93D905-6CB8-4058-A254-9DFAD6745199}" type="datetimeFigureOut">
               <a:rPr lang="en-US" smtClean="0"/>
-              <a:t>12/21/2016</a:t>
+              <a:t>12/22/2016</a:t>
             </a:fld>
             <a:endParaRPr lang="en-US"/>
           </a:p>
@@ -1816,7 +1806,7 @@
           <a:p>
             <a:fld id="{7B93D905-6CB8-4058-A254-9DFAD6745199}" type="datetimeFigureOut">
               <a:rPr lang="en-US" smtClean="0"/>
-              <a:t>12/21/2016</a:t>
+              <a:t>12/22/2016</a:t>
             </a:fld>
             <a:endParaRPr lang="en-US"/>
           </a:p>
@@ -1922,7 +1912,6 @@
               <a:rPr lang="en-US"/>
               <a:t>Click to edit Master title style</a:t>
             </a:r>
-            <a:endParaRPr lang="en-US"/>
           </a:p>
         </p:txBody>
       </p:sp>
@@ -2007,7 +1996,6 @@
               <a:rPr lang="en-US"/>
               <a:t>Fifth level</a:t>
             </a:r>
-            <a:endParaRPr lang="en-US"/>
           </a:p>
         </p:txBody>
       </p:sp>
@@ -2093,7 +2081,7 @@
           <a:p>
             <a:fld id="{7B93D905-6CB8-4058-A254-9DFAD6745199}" type="datetimeFigureOut">
               <a:rPr lang="en-US" smtClean="0"/>
-              <a:t>12/21/2016</a:t>
+              <a:t>12/22/2016</a:t>
             </a:fld>
             <a:endParaRPr lang="en-US"/>
           </a:p>
@@ -2199,7 +2187,6 @@
               <a:rPr lang="en-US"/>
               <a:t>Click to edit Master title style</a:t>
             </a:r>
-            <a:endParaRPr lang="en-US"/>
           </a:p>
         </p:txBody>
       </p:sp>
@@ -2346,7 +2333,7 @@
           <a:p>
             <a:fld id="{7B93D905-6CB8-4058-A254-9DFAD6745199}" type="datetimeFigureOut">
               <a:rPr lang="en-US" smtClean="0"/>
-              <a:t>12/21/2016</a:t>
+              <a:t>12/22/2016</a:t>
             </a:fld>
             <a:endParaRPr lang="en-US"/>
           </a:p>
@@ -2458,7 +2445,6 @@
               <a:rPr lang="en-US"/>
               <a:t>Click to edit Master title style</a:t>
             </a:r>
-            <a:endParaRPr lang="en-US"/>
           </a:p>
         </p:txBody>
       </p:sp>
@@ -2520,7 +2506,6 @@
               <a:rPr lang="en-US"/>
               <a:t>Fifth level</a:t>
             </a:r>
-            <a:endParaRPr lang="en-US"/>
           </a:p>
         </p:txBody>
       </p:sp>
@@ -2559,7 +2544,7 @@
           <a:p>
             <a:fld id="{7B93D905-6CB8-4058-A254-9DFAD6745199}" type="datetimeFigureOut">
               <a:rPr lang="en-US" smtClean="0"/>
-              <a:t>12/21/2016</a:t>
+              <a:t>12/22/2016</a:t>
             </a:fld>
             <a:endParaRPr lang="en-US"/>
           </a:p>
@@ -3308,6 +3293,1602 @@
 </p:sld>
 </file>
 
+<file path=ppt/slides/slide2.xml><?xml version="1.0" encoding="utf-8"?>
+<p:sld xmlns:a="http://schemas.openxmlformats.org/drawingml/2006/main" xmlns:r="http://schemas.openxmlformats.org/officeDocument/2006/relationships" xmlns:p="http://schemas.openxmlformats.org/presentationml/2006/main">
+  <p:cSld>
+    <p:spTree>
+      <p:nvGrpSpPr>
+        <p:cNvPr id="1" name=""/>
+        <p:cNvGrpSpPr/>
+        <p:nvPr/>
+      </p:nvGrpSpPr>
+      <p:grpSpPr>
+        <a:xfrm>
+          <a:off x="0" y="0"/>
+          <a:ext cx="0" cy="0"/>
+          <a:chOff x="0" y="0"/>
+          <a:chExt cx="0" cy="0"/>
+        </a:xfrm>
+      </p:grpSpPr>
+      <p:sp>
+        <p:nvSpPr>
+          <p:cNvPr id="4" name="Rectangle 3"/>
+          <p:cNvSpPr/>
+          <p:nvPr/>
+        </p:nvSpPr>
+        <p:spPr>
+          <a:xfrm>
+            <a:off x="852378" y="1297172"/>
+            <a:ext cx="1119962" cy="1481469"/>
+          </a:xfrm>
+          <a:prstGeom prst="rect">
+            <a:avLst/>
+          </a:prstGeom>
+          <a:solidFill>
+            <a:srgbClr val="00B050"/>
+          </a:solidFill>
+          <a:ln>
+            <a:noFill/>
+          </a:ln>
+        </p:spPr>
+        <p:style>
+          <a:lnRef idx="2">
+            <a:schemeClr val="accent1">
+              <a:shade val="50000"/>
+            </a:schemeClr>
+          </a:lnRef>
+          <a:fillRef idx="1">
+            <a:schemeClr val="accent1"/>
+          </a:fillRef>
+          <a:effectRef idx="0">
+            <a:schemeClr val="accent1"/>
+          </a:effectRef>
+          <a:fontRef idx="minor">
+            <a:schemeClr val="lt1"/>
+          </a:fontRef>
+        </p:style>
+        <p:txBody>
+          <a:bodyPr rtlCol="0" anchor="ctr"/>
+          <a:lstStyle/>
+          <a:p>
+            <a:pPr algn="ctr"/>
+            <a:r>
+              <a:rPr lang="en-US" b="1" dirty="0" err="1">
+                <a:solidFill>
+                  <a:schemeClr val="tx1">
+                    <a:lumMod val="85000"/>
+                    <a:lumOff val="15000"/>
+                  </a:schemeClr>
+                </a:solidFill>
+                <a:latin typeface="Segoe UI Light" panose="020B0502040204020203" pitchFamily="34" charset="0"/>
+                <a:cs typeface="Segoe UI Light" panose="020B0502040204020203" pitchFamily="34" charset="0"/>
+              </a:rPr>
+              <a:t>uCAN</a:t>
+            </a:r>
+            <a:r>
+              <a:rPr lang="en-US" b="1" dirty="0">
+                <a:solidFill>
+                  <a:schemeClr val="tx1">
+                    <a:lumMod val="85000"/>
+                    <a:lumOff val="15000"/>
+                  </a:schemeClr>
+                </a:solidFill>
+                <a:latin typeface="Segoe UI Light" panose="020B0502040204020203" pitchFamily="34" charset="0"/>
+                <a:cs typeface="Segoe UI Light" panose="020B0502040204020203" pitchFamily="34" charset="0"/>
+              </a:rPr>
+              <a:t> Bus</a:t>
+            </a:r>
+          </a:p>
+        </p:txBody>
+      </p:sp>
+      <p:sp>
+        <p:nvSpPr>
+          <p:cNvPr id="5" name="Rectangle 4"/>
+          <p:cNvSpPr/>
+          <p:nvPr/>
+        </p:nvSpPr>
+        <p:spPr>
+          <a:xfrm>
+            <a:off x="708838" y="758456"/>
+            <a:ext cx="2502195" cy="2310809"/>
+          </a:xfrm>
+          <a:prstGeom prst="rect">
+            <a:avLst/>
+          </a:prstGeom>
+          <a:noFill/>
+          <a:ln>
+            <a:solidFill>
+              <a:schemeClr val="accent3">
+                <a:lumMod val="25000"/>
+              </a:schemeClr>
+            </a:solidFill>
+          </a:ln>
+        </p:spPr>
+        <p:style>
+          <a:lnRef idx="2">
+            <a:schemeClr val="accent1">
+              <a:shade val="50000"/>
+            </a:schemeClr>
+          </a:lnRef>
+          <a:fillRef idx="1">
+            <a:schemeClr val="accent1"/>
+          </a:fillRef>
+          <a:effectRef idx="0">
+            <a:schemeClr val="accent1"/>
+          </a:effectRef>
+          <a:fontRef idx="minor">
+            <a:schemeClr val="lt1"/>
+          </a:fontRef>
+        </p:style>
+        <p:txBody>
+          <a:bodyPr rtlCol="0" anchor="t"/>
+          <a:lstStyle/>
+          <a:p>
+            <a:r>
+              <a:rPr lang="en-US" dirty="0">
+                <a:solidFill>
+                  <a:sysClr val="windowText" lastClr="000000"/>
+                </a:solidFill>
+                <a:latin typeface="Segoe UI Light" panose="020B0502040204020203" pitchFamily="34" charset="0"/>
+                <a:cs typeface="Segoe UI Light" panose="020B0502040204020203" pitchFamily="34" charset="0"/>
+              </a:rPr>
+              <a:t>Vehicle</a:t>
+            </a:r>
+          </a:p>
+        </p:txBody>
+      </p:sp>
+      <p:sp>
+        <p:nvSpPr>
+          <p:cNvPr id="6" name="Rectangle 5"/>
+          <p:cNvSpPr/>
+          <p:nvPr/>
+        </p:nvSpPr>
+        <p:spPr>
+          <a:xfrm>
+            <a:off x="2115880" y="1297172"/>
+            <a:ext cx="832884" cy="1481469"/>
+          </a:xfrm>
+          <a:prstGeom prst="rect">
+            <a:avLst/>
+          </a:prstGeom>
+          <a:ln>
+            <a:noFill/>
+          </a:ln>
+        </p:spPr>
+        <p:style>
+          <a:lnRef idx="2">
+            <a:schemeClr val="accent1">
+              <a:shade val="50000"/>
+            </a:schemeClr>
+          </a:lnRef>
+          <a:fillRef idx="1">
+            <a:schemeClr val="accent1"/>
+          </a:fillRef>
+          <a:effectRef idx="0">
+            <a:schemeClr val="accent1"/>
+          </a:effectRef>
+          <a:fontRef idx="minor">
+            <a:schemeClr val="lt1"/>
+          </a:fontRef>
+        </p:style>
+        <p:txBody>
+          <a:bodyPr rtlCol="0" anchor="ctr"/>
+          <a:lstStyle/>
+          <a:p>
+            <a:pPr algn="ctr"/>
+            <a:r>
+              <a:rPr lang="en-US" b="1" dirty="0">
+                <a:solidFill>
+                  <a:schemeClr val="tx1">
+                    <a:lumMod val="85000"/>
+                    <a:lumOff val="15000"/>
+                  </a:schemeClr>
+                </a:solidFill>
+                <a:latin typeface="Segoe UI Light" panose="020B0502040204020203" pitchFamily="34" charset="0"/>
+                <a:cs typeface="Segoe UI Light" panose="020B0502040204020203" pitchFamily="34" charset="0"/>
+              </a:rPr>
+              <a:t>IoT Hub Client</a:t>
+            </a:r>
+          </a:p>
+        </p:txBody>
+      </p:sp>
+      <p:sp>
+        <p:nvSpPr>
+          <p:cNvPr id="8" name="Rectangle 7"/>
+          <p:cNvSpPr/>
+          <p:nvPr/>
+        </p:nvSpPr>
+        <p:spPr>
+          <a:xfrm>
+            <a:off x="3506973" y="758456"/>
+            <a:ext cx="7033435" cy="2310809"/>
+          </a:xfrm>
+          <a:prstGeom prst="rect">
+            <a:avLst/>
+          </a:prstGeom>
+          <a:noFill/>
+          <a:ln>
+            <a:solidFill>
+              <a:schemeClr val="accent3">
+                <a:lumMod val="25000"/>
+              </a:schemeClr>
+            </a:solidFill>
+          </a:ln>
+        </p:spPr>
+        <p:style>
+          <a:lnRef idx="2">
+            <a:schemeClr val="accent1">
+              <a:shade val="50000"/>
+            </a:schemeClr>
+          </a:lnRef>
+          <a:fillRef idx="1">
+            <a:schemeClr val="accent1"/>
+          </a:fillRef>
+          <a:effectRef idx="0">
+            <a:schemeClr val="accent1"/>
+          </a:effectRef>
+          <a:fontRef idx="minor">
+            <a:schemeClr val="lt1"/>
+          </a:fontRef>
+        </p:style>
+        <p:txBody>
+          <a:bodyPr rtlCol="0" anchor="t"/>
+          <a:lstStyle/>
+          <a:p>
+            <a:r>
+              <a:rPr lang="en-US" dirty="0">
+                <a:solidFill>
+                  <a:sysClr val="windowText" lastClr="000000"/>
+                </a:solidFill>
+                <a:latin typeface="Segoe UI Light" panose="020B0502040204020203" pitchFamily="34" charset="0"/>
+                <a:cs typeface="Segoe UI Light" panose="020B0502040204020203" pitchFamily="34" charset="0"/>
+              </a:rPr>
+              <a:t>Azure - </a:t>
+            </a:r>
+            <a:r>
+              <a:rPr lang="en-US" dirty="0" err="1">
+                <a:solidFill>
+                  <a:sysClr val="windowText" lastClr="000000"/>
+                </a:solidFill>
+                <a:latin typeface="Segoe UI Light" panose="020B0502040204020203" pitchFamily="34" charset="0"/>
+                <a:cs typeface="Segoe UI Light" panose="020B0502040204020203" pitchFamily="34" charset="0"/>
+              </a:rPr>
+              <a:t>Vetuda</a:t>
+            </a:r>
+            <a:endParaRPr lang="en-US" dirty="0">
+              <a:solidFill>
+                <a:sysClr val="windowText" lastClr="000000"/>
+              </a:solidFill>
+              <a:latin typeface="Segoe UI Light" panose="020B0502040204020203" pitchFamily="34" charset="0"/>
+              <a:cs typeface="Segoe UI Light" panose="020B0502040204020203" pitchFamily="34" charset="0"/>
+            </a:endParaRPr>
+          </a:p>
+        </p:txBody>
+      </p:sp>
+      <p:sp>
+        <p:nvSpPr>
+          <p:cNvPr id="11" name="Rectangle 10"/>
+          <p:cNvSpPr/>
+          <p:nvPr/>
+        </p:nvSpPr>
+        <p:spPr>
+          <a:xfrm>
+            <a:off x="3664689" y="1297172"/>
+            <a:ext cx="832884" cy="1481469"/>
+          </a:xfrm>
+          <a:prstGeom prst="rect">
+            <a:avLst/>
+          </a:prstGeom>
+          <a:ln>
+            <a:noFill/>
+          </a:ln>
+        </p:spPr>
+        <p:style>
+          <a:lnRef idx="2">
+            <a:schemeClr val="accent1">
+              <a:shade val="50000"/>
+            </a:schemeClr>
+          </a:lnRef>
+          <a:fillRef idx="1">
+            <a:schemeClr val="accent1"/>
+          </a:fillRef>
+          <a:effectRef idx="0">
+            <a:schemeClr val="accent1"/>
+          </a:effectRef>
+          <a:fontRef idx="minor">
+            <a:schemeClr val="lt1"/>
+          </a:fontRef>
+        </p:style>
+        <p:txBody>
+          <a:bodyPr rtlCol="0" anchor="ctr"/>
+          <a:lstStyle/>
+          <a:p>
+            <a:pPr algn="ctr"/>
+            <a:r>
+              <a:rPr lang="en-US" b="1" dirty="0">
+                <a:solidFill>
+                  <a:schemeClr val="tx1">
+                    <a:lumMod val="85000"/>
+                    <a:lumOff val="15000"/>
+                  </a:schemeClr>
+                </a:solidFill>
+                <a:latin typeface="Segoe UI Light" panose="020B0502040204020203" pitchFamily="34" charset="0"/>
+                <a:cs typeface="Segoe UI Light" panose="020B0502040204020203" pitchFamily="34" charset="0"/>
+              </a:rPr>
+              <a:t>IoT Hub End point</a:t>
+            </a:r>
+          </a:p>
+        </p:txBody>
+      </p:sp>
+      <p:sp>
+        <p:nvSpPr>
+          <p:cNvPr id="12" name="Rectangle 11"/>
+          <p:cNvSpPr/>
+          <p:nvPr/>
+        </p:nvSpPr>
+        <p:spPr>
+          <a:xfrm>
+            <a:off x="4894520" y="1297171"/>
+            <a:ext cx="1555896" cy="715927"/>
+          </a:xfrm>
+          <a:prstGeom prst="rect">
+            <a:avLst/>
+          </a:prstGeom>
+          <a:solidFill>
+            <a:schemeClr val="accent1">
+              <a:lumMod val="60000"/>
+              <a:lumOff val="40000"/>
+            </a:schemeClr>
+          </a:solidFill>
+          <a:ln>
+            <a:noFill/>
+          </a:ln>
+        </p:spPr>
+        <p:style>
+          <a:lnRef idx="2">
+            <a:schemeClr val="accent1">
+              <a:shade val="50000"/>
+            </a:schemeClr>
+          </a:lnRef>
+          <a:fillRef idx="1">
+            <a:schemeClr val="accent1"/>
+          </a:fillRef>
+          <a:effectRef idx="0">
+            <a:schemeClr val="accent1"/>
+          </a:effectRef>
+          <a:fontRef idx="minor">
+            <a:schemeClr val="lt1"/>
+          </a:fontRef>
+        </p:style>
+        <p:txBody>
+          <a:bodyPr rtlCol="0" anchor="ctr"/>
+          <a:lstStyle/>
+          <a:p>
+            <a:pPr algn="ctr"/>
+            <a:r>
+              <a:rPr lang="en-US" b="1" dirty="0">
+                <a:solidFill>
+                  <a:schemeClr val="tx1">
+                    <a:lumMod val="85000"/>
+                    <a:lumOff val="15000"/>
+                  </a:schemeClr>
+                </a:solidFill>
+                <a:latin typeface="Segoe UI Light" panose="020B0502040204020203" pitchFamily="34" charset="0"/>
+                <a:cs typeface="Segoe UI Light" panose="020B0502040204020203" pitchFamily="34" charset="0"/>
+              </a:rPr>
+              <a:t>Stream Analytics</a:t>
+            </a:r>
+          </a:p>
+        </p:txBody>
+      </p:sp>
+      <p:sp>
+        <p:nvSpPr>
+          <p:cNvPr id="13" name="Rectangle 12"/>
+          <p:cNvSpPr/>
+          <p:nvPr/>
+        </p:nvSpPr>
+        <p:spPr>
+          <a:xfrm>
+            <a:off x="4894520" y="2062714"/>
+            <a:ext cx="1555896" cy="715927"/>
+          </a:xfrm>
+          <a:prstGeom prst="rect">
+            <a:avLst/>
+          </a:prstGeom>
+          <a:solidFill>
+            <a:schemeClr val="accent1">
+              <a:lumMod val="60000"/>
+              <a:lumOff val="40000"/>
+            </a:schemeClr>
+          </a:solidFill>
+          <a:ln>
+            <a:noFill/>
+          </a:ln>
+        </p:spPr>
+        <p:style>
+          <a:lnRef idx="2">
+            <a:schemeClr val="accent1">
+              <a:shade val="50000"/>
+            </a:schemeClr>
+          </a:lnRef>
+          <a:fillRef idx="1">
+            <a:schemeClr val="accent1"/>
+          </a:fillRef>
+          <a:effectRef idx="0">
+            <a:schemeClr val="accent1"/>
+          </a:effectRef>
+          <a:fontRef idx="minor">
+            <a:schemeClr val="lt1"/>
+          </a:fontRef>
+        </p:style>
+        <p:txBody>
+          <a:bodyPr rtlCol="0" anchor="ctr"/>
+          <a:lstStyle/>
+          <a:p>
+            <a:pPr algn="ctr"/>
+            <a:r>
+              <a:rPr lang="en-US" b="1" dirty="0">
+                <a:solidFill>
+                  <a:schemeClr val="tx1">
+                    <a:lumMod val="85000"/>
+                    <a:lumOff val="15000"/>
+                  </a:schemeClr>
+                </a:solidFill>
+                <a:latin typeface="Segoe UI Light" panose="020B0502040204020203" pitchFamily="34" charset="0"/>
+                <a:cs typeface="Segoe UI Light" panose="020B0502040204020203" pitchFamily="34" charset="0"/>
+              </a:rPr>
+              <a:t>Custom Event Processor</a:t>
+            </a:r>
+          </a:p>
+        </p:txBody>
+      </p:sp>
+      <p:sp>
+        <p:nvSpPr>
+          <p:cNvPr id="14" name="Rectangle 13"/>
+          <p:cNvSpPr/>
+          <p:nvPr/>
+        </p:nvSpPr>
+        <p:spPr>
+          <a:xfrm>
+            <a:off x="6910276" y="1297171"/>
+            <a:ext cx="1555896" cy="715927"/>
+          </a:xfrm>
+          <a:prstGeom prst="rect">
+            <a:avLst/>
+          </a:prstGeom>
+          <a:solidFill>
+            <a:srgbClr val="00B0F0"/>
+          </a:solidFill>
+          <a:ln>
+            <a:noFill/>
+          </a:ln>
+        </p:spPr>
+        <p:style>
+          <a:lnRef idx="2">
+            <a:schemeClr val="accent1">
+              <a:shade val="50000"/>
+            </a:schemeClr>
+          </a:lnRef>
+          <a:fillRef idx="1">
+            <a:schemeClr val="accent1"/>
+          </a:fillRef>
+          <a:effectRef idx="0">
+            <a:schemeClr val="accent1"/>
+          </a:effectRef>
+          <a:fontRef idx="minor">
+            <a:schemeClr val="lt1"/>
+          </a:fontRef>
+        </p:style>
+        <p:txBody>
+          <a:bodyPr rtlCol="0" anchor="ctr"/>
+          <a:lstStyle/>
+          <a:p>
+            <a:pPr algn="ctr"/>
+            <a:r>
+              <a:rPr lang="en-US" b="1" dirty="0">
+                <a:solidFill>
+                  <a:schemeClr val="tx1">
+                    <a:lumMod val="85000"/>
+                    <a:lumOff val="15000"/>
+                  </a:schemeClr>
+                </a:solidFill>
+                <a:latin typeface="Segoe UI Light" panose="020B0502040204020203" pitchFamily="34" charset="0"/>
+                <a:cs typeface="Segoe UI Light" panose="020B0502040204020203" pitchFamily="34" charset="0"/>
+              </a:rPr>
+              <a:t>Storage &amp; Analytics</a:t>
+            </a:r>
+          </a:p>
+        </p:txBody>
+      </p:sp>
+      <p:sp>
+        <p:nvSpPr>
+          <p:cNvPr id="15" name="Rectangle 14"/>
+          <p:cNvSpPr/>
+          <p:nvPr/>
+        </p:nvSpPr>
+        <p:spPr>
+          <a:xfrm>
+            <a:off x="6910276" y="2062714"/>
+            <a:ext cx="1555896" cy="715927"/>
+          </a:xfrm>
+          <a:prstGeom prst="rect">
+            <a:avLst/>
+          </a:prstGeom>
+          <a:solidFill>
+            <a:srgbClr val="00B0F0"/>
+          </a:solidFill>
+          <a:ln>
+            <a:noFill/>
+          </a:ln>
+        </p:spPr>
+        <p:style>
+          <a:lnRef idx="2">
+            <a:schemeClr val="accent1">
+              <a:shade val="50000"/>
+            </a:schemeClr>
+          </a:lnRef>
+          <a:fillRef idx="1">
+            <a:schemeClr val="accent1"/>
+          </a:fillRef>
+          <a:effectRef idx="0">
+            <a:schemeClr val="accent1"/>
+          </a:effectRef>
+          <a:fontRef idx="minor">
+            <a:schemeClr val="lt1"/>
+          </a:fontRef>
+        </p:style>
+        <p:txBody>
+          <a:bodyPr rtlCol="0" anchor="ctr"/>
+          <a:lstStyle/>
+          <a:p>
+            <a:pPr algn="ctr"/>
+            <a:r>
+              <a:rPr lang="en-US" b="1" dirty="0">
+                <a:solidFill>
+                  <a:schemeClr val="tx1">
+                    <a:lumMod val="85000"/>
+                    <a:lumOff val="15000"/>
+                  </a:schemeClr>
+                </a:solidFill>
+                <a:latin typeface="Segoe UI Light" panose="020B0502040204020203" pitchFamily="34" charset="0"/>
+                <a:cs typeface="Segoe UI Light" panose="020B0502040204020203" pitchFamily="34" charset="0"/>
+              </a:rPr>
+              <a:t>Alerting</a:t>
+            </a:r>
+          </a:p>
+        </p:txBody>
+      </p:sp>
+      <p:cxnSp>
+        <p:nvCxnSpPr>
+          <p:cNvPr id="16" name="Straight Arrow Connector 15"/>
+          <p:cNvCxnSpPr>
+            <a:stCxn id="6" idx="3"/>
+            <a:endCxn id="11" idx="1"/>
+          </p:cNvCxnSpPr>
+          <p:nvPr/>
+        </p:nvCxnSpPr>
+        <p:spPr>
+          <a:xfrm>
+            <a:off x="2948764" y="2037907"/>
+            <a:ext cx="715925" cy="0"/>
+          </a:xfrm>
+          <a:prstGeom prst="straightConnector1">
+            <a:avLst/>
+          </a:prstGeom>
+          <a:ln w="38100">
+            <a:tailEnd type="triangle"/>
+          </a:ln>
+        </p:spPr>
+        <p:style>
+          <a:lnRef idx="1">
+            <a:schemeClr val="accent1"/>
+          </a:lnRef>
+          <a:fillRef idx="0">
+            <a:schemeClr val="accent1"/>
+          </a:fillRef>
+          <a:effectRef idx="0">
+            <a:schemeClr val="accent1"/>
+          </a:effectRef>
+          <a:fontRef idx="minor">
+            <a:schemeClr val="tx1"/>
+          </a:fontRef>
+        </p:style>
+      </p:cxnSp>
+      <p:cxnSp>
+        <p:nvCxnSpPr>
+          <p:cNvPr id="19" name="Straight Arrow Connector 18"/>
+          <p:cNvCxnSpPr>
+            <a:endCxn id="12" idx="1"/>
+          </p:cNvCxnSpPr>
+          <p:nvPr/>
+        </p:nvCxnSpPr>
+        <p:spPr>
+          <a:xfrm>
+            <a:off x="4504660" y="1655134"/>
+            <a:ext cx="389860" cy="1"/>
+          </a:xfrm>
+          <a:prstGeom prst="straightConnector1">
+            <a:avLst/>
+          </a:prstGeom>
+          <a:ln w="38100">
+            <a:tailEnd type="triangle"/>
+          </a:ln>
+        </p:spPr>
+        <p:style>
+          <a:lnRef idx="1">
+            <a:schemeClr val="accent1"/>
+          </a:lnRef>
+          <a:fillRef idx="0">
+            <a:schemeClr val="accent1"/>
+          </a:fillRef>
+          <a:effectRef idx="0">
+            <a:schemeClr val="accent1"/>
+          </a:effectRef>
+          <a:fontRef idx="minor">
+            <a:schemeClr val="tx1"/>
+          </a:fontRef>
+        </p:style>
+      </p:cxnSp>
+      <p:cxnSp>
+        <p:nvCxnSpPr>
+          <p:cNvPr id="22" name="Straight Arrow Connector 21"/>
+          <p:cNvCxnSpPr>
+            <a:endCxn id="13" idx="1"/>
+          </p:cNvCxnSpPr>
+          <p:nvPr/>
+        </p:nvCxnSpPr>
+        <p:spPr>
+          <a:xfrm>
+            <a:off x="4497573" y="2420677"/>
+            <a:ext cx="396947" cy="1"/>
+          </a:xfrm>
+          <a:prstGeom prst="straightConnector1">
+            <a:avLst/>
+          </a:prstGeom>
+          <a:ln w="38100">
+            <a:tailEnd type="triangle"/>
+          </a:ln>
+        </p:spPr>
+        <p:style>
+          <a:lnRef idx="1">
+            <a:schemeClr val="accent1"/>
+          </a:lnRef>
+          <a:fillRef idx="0">
+            <a:schemeClr val="accent1"/>
+          </a:fillRef>
+          <a:effectRef idx="0">
+            <a:schemeClr val="accent1"/>
+          </a:effectRef>
+          <a:fontRef idx="minor">
+            <a:schemeClr val="tx1"/>
+          </a:fontRef>
+        </p:style>
+      </p:cxnSp>
+      <p:cxnSp>
+        <p:nvCxnSpPr>
+          <p:cNvPr id="25" name="Straight Arrow Connector 24"/>
+          <p:cNvCxnSpPr>
+            <a:stCxn id="12" idx="3"/>
+            <a:endCxn id="14" idx="1"/>
+          </p:cNvCxnSpPr>
+          <p:nvPr/>
+        </p:nvCxnSpPr>
+        <p:spPr>
+          <a:xfrm>
+            <a:off x="6450416" y="1655135"/>
+            <a:ext cx="459860" cy="0"/>
+          </a:xfrm>
+          <a:prstGeom prst="straightConnector1">
+            <a:avLst/>
+          </a:prstGeom>
+          <a:ln w="38100">
+            <a:tailEnd type="triangle"/>
+          </a:ln>
+        </p:spPr>
+        <p:style>
+          <a:lnRef idx="1">
+            <a:schemeClr val="accent1"/>
+          </a:lnRef>
+          <a:fillRef idx="0">
+            <a:schemeClr val="accent1"/>
+          </a:fillRef>
+          <a:effectRef idx="0">
+            <a:schemeClr val="accent1"/>
+          </a:effectRef>
+          <a:fontRef idx="minor">
+            <a:schemeClr val="tx1"/>
+          </a:fontRef>
+        </p:style>
+      </p:cxnSp>
+      <p:cxnSp>
+        <p:nvCxnSpPr>
+          <p:cNvPr id="28" name="Straight Arrow Connector 27"/>
+          <p:cNvCxnSpPr>
+            <a:stCxn id="12" idx="3"/>
+          </p:cNvCxnSpPr>
+          <p:nvPr/>
+        </p:nvCxnSpPr>
+        <p:spPr>
+          <a:xfrm>
+            <a:off x="6450416" y="1655135"/>
+            <a:ext cx="459860" cy="464288"/>
+          </a:xfrm>
+          <a:prstGeom prst="straightConnector1">
+            <a:avLst/>
+          </a:prstGeom>
+          <a:ln w="38100">
+            <a:tailEnd type="triangle"/>
+          </a:ln>
+        </p:spPr>
+        <p:style>
+          <a:lnRef idx="1">
+            <a:schemeClr val="accent1"/>
+          </a:lnRef>
+          <a:fillRef idx="0">
+            <a:schemeClr val="accent1"/>
+          </a:fillRef>
+          <a:effectRef idx="0">
+            <a:schemeClr val="accent1"/>
+          </a:effectRef>
+          <a:fontRef idx="minor">
+            <a:schemeClr val="tx1"/>
+          </a:fontRef>
+        </p:style>
+      </p:cxnSp>
+      <p:cxnSp>
+        <p:nvCxnSpPr>
+          <p:cNvPr id="32" name="Straight Arrow Connector 31"/>
+          <p:cNvCxnSpPr>
+            <a:stCxn id="13" idx="3"/>
+            <a:endCxn id="15" idx="1"/>
+          </p:cNvCxnSpPr>
+          <p:nvPr/>
+        </p:nvCxnSpPr>
+        <p:spPr>
+          <a:xfrm>
+            <a:off x="6450416" y="2420678"/>
+            <a:ext cx="459860" cy="0"/>
+          </a:xfrm>
+          <a:prstGeom prst="straightConnector1">
+            <a:avLst/>
+          </a:prstGeom>
+          <a:ln w="38100">
+            <a:tailEnd type="triangle"/>
+          </a:ln>
+        </p:spPr>
+        <p:style>
+          <a:lnRef idx="1">
+            <a:schemeClr val="accent1"/>
+          </a:lnRef>
+          <a:fillRef idx="0">
+            <a:schemeClr val="accent1"/>
+          </a:fillRef>
+          <a:effectRef idx="0">
+            <a:schemeClr val="accent1"/>
+          </a:effectRef>
+          <a:fontRef idx="minor">
+            <a:schemeClr val="tx1"/>
+          </a:fontRef>
+        </p:style>
+      </p:cxnSp>
+      <p:sp>
+        <p:nvSpPr>
+          <p:cNvPr id="38" name="Rectangle 37"/>
+          <p:cNvSpPr/>
+          <p:nvPr/>
+        </p:nvSpPr>
+        <p:spPr>
+          <a:xfrm>
+            <a:off x="8754137" y="1297171"/>
+            <a:ext cx="1353882" cy="715927"/>
+          </a:xfrm>
+          <a:prstGeom prst="rect">
+            <a:avLst/>
+          </a:prstGeom>
+          <a:ln>
+            <a:noFill/>
+          </a:ln>
+        </p:spPr>
+        <p:style>
+          <a:lnRef idx="2">
+            <a:schemeClr val="accent1">
+              <a:shade val="50000"/>
+            </a:schemeClr>
+          </a:lnRef>
+          <a:fillRef idx="1">
+            <a:schemeClr val="accent1"/>
+          </a:fillRef>
+          <a:effectRef idx="0">
+            <a:schemeClr val="accent1"/>
+          </a:effectRef>
+          <a:fontRef idx="minor">
+            <a:schemeClr val="lt1"/>
+          </a:fontRef>
+        </p:style>
+        <p:txBody>
+          <a:bodyPr rtlCol="0" anchor="ctr"/>
+          <a:lstStyle/>
+          <a:p>
+            <a:pPr algn="ctr"/>
+            <a:r>
+              <a:rPr lang="en-US" b="1" dirty="0">
+                <a:solidFill>
+                  <a:schemeClr val="tx1">
+                    <a:lumMod val="85000"/>
+                    <a:lumOff val="15000"/>
+                  </a:schemeClr>
+                </a:solidFill>
+                <a:latin typeface="Segoe UI Light" panose="020B0502040204020203" pitchFamily="34" charset="0"/>
+                <a:cs typeface="Segoe UI Light" panose="020B0502040204020203" pitchFamily="34" charset="0"/>
+              </a:rPr>
+              <a:t>Data API</a:t>
+            </a:r>
+          </a:p>
+        </p:txBody>
+      </p:sp>
+      <p:sp>
+        <p:nvSpPr>
+          <p:cNvPr id="40" name="Rectangle 39"/>
+          <p:cNvSpPr/>
+          <p:nvPr/>
+        </p:nvSpPr>
+        <p:spPr>
+          <a:xfrm>
+            <a:off x="8762112" y="2062714"/>
+            <a:ext cx="1353882" cy="715927"/>
+          </a:xfrm>
+          <a:prstGeom prst="rect">
+            <a:avLst/>
+          </a:prstGeom>
+          <a:ln>
+            <a:noFill/>
+          </a:ln>
+        </p:spPr>
+        <p:style>
+          <a:lnRef idx="2">
+            <a:schemeClr val="accent1">
+              <a:shade val="50000"/>
+            </a:schemeClr>
+          </a:lnRef>
+          <a:fillRef idx="1">
+            <a:schemeClr val="accent1"/>
+          </a:fillRef>
+          <a:effectRef idx="0">
+            <a:schemeClr val="accent1"/>
+          </a:effectRef>
+          <a:fontRef idx="minor">
+            <a:schemeClr val="lt1"/>
+          </a:fontRef>
+        </p:style>
+        <p:txBody>
+          <a:bodyPr rtlCol="0" anchor="ctr"/>
+          <a:lstStyle/>
+          <a:p>
+            <a:pPr algn="ctr"/>
+            <a:r>
+              <a:rPr lang="en-US" b="1" dirty="0">
+                <a:solidFill>
+                  <a:schemeClr val="tx1">
+                    <a:lumMod val="85000"/>
+                    <a:lumOff val="15000"/>
+                  </a:schemeClr>
+                </a:solidFill>
+                <a:latin typeface="Segoe UI Light" panose="020B0502040204020203" pitchFamily="34" charset="0"/>
+                <a:cs typeface="Segoe UI Light" panose="020B0502040204020203" pitchFamily="34" charset="0"/>
+              </a:rPr>
+              <a:t>Notification Web hooks</a:t>
+            </a:r>
+          </a:p>
+        </p:txBody>
+      </p:sp>
+      <p:cxnSp>
+        <p:nvCxnSpPr>
+          <p:cNvPr id="41" name="Straight Arrow Connector 40"/>
+          <p:cNvCxnSpPr>
+            <a:stCxn id="38" idx="1"/>
+            <a:endCxn id="14" idx="3"/>
+          </p:cNvCxnSpPr>
+          <p:nvPr/>
+        </p:nvCxnSpPr>
+        <p:spPr>
+          <a:xfrm flipH="1">
+            <a:off x="8466172" y="1655135"/>
+            <a:ext cx="287965" cy="0"/>
+          </a:xfrm>
+          <a:prstGeom prst="straightConnector1">
+            <a:avLst/>
+          </a:prstGeom>
+          <a:ln w="38100">
+            <a:tailEnd type="triangle"/>
+          </a:ln>
+        </p:spPr>
+        <p:style>
+          <a:lnRef idx="1">
+            <a:schemeClr val="accent1"/>
+          </a:lnRef>
+          <a:fillRef idx="0">
+            <a:schemeClr val="accent1"/>
+          </a:fillRef>
+          <a:effectRef idx="0">
+            <a:schemeClr val="accent1"/>
+          </a:effectRef>
+          <a:fontRef idx="minor">
+            <a:schemeClr val="tx1"/>
+          </a:fontRef>
+        </p:style>
+      </p:cxnSp>
+      <p:cxnSp>
+        <p:nvCxnSpPr>
+          <p:cNvPr id="47" name="Straight Arrow Connector 46"/>
+          <p:cNvCxnSpPr>
+            <a:stCxn id="15" idx="3"/>
+            <a:endCxn id="40" idx="1"/>
+          </p:cNvCxnSpPr>
+          <p:nvPr/>
+        </p:nvCxnSpPr>
+        <p:spPr>
+          <a:xfrm>
+            <a:off x="8466172" y="2420678"/>
+            <a:ext cx="295940" cy="0"/>
+          </a:xfrm>
+          <a:prstGeom prst="straightConnector1">
+            <a:avLst/>
+          </a:prstGeom>
+          <a:ln w="38100">
+            <a:tailEnd type="triangle"/>
+          </a:ln>
+        </p:spPr>
+        <p:style>
+          <a:lnRef idx="1">
+            <a:schemeClr val="accent1"/>
+          </a:lnRef>
+          <a:fillRef idx="0">
+            <a:schemeClr val="accent1"/>
+          </a:fillRef>
+          <a:effectRef idx="0">
+            <a:schemeClr val="accent1"/>
+          </a:effectRef>
+          <a:fontRef idx="minor">
+            <a:schemeClr val="tx1"/>
+          </a:fontRef>
+        </p:style>
+      </p:cxnSp>
+      <p:sp>
+        <p:nvSpPr>
+          <p:cNvPr id="50" name="Rectangle 49"/>
+          <p:cNvSpPr/>
+          <p:nvPr/>
+        </p:nvSpPr>
+        <p:spPr>
+          <a:xfrm>
+            <a:off x="852378" y="4015559"/>
+            <a:ext cx="1119962" cy="2250551"/>
+          </a:xfrm>
+          <a:prstGeom prst="rect">
+            <a:avLst/>
+          </a:prstGeom>
+          <a:solidFill>
+            <a:srgbClr val="00B050"/>
+          </a:solidFill>
+          <a:ln>
+            <a:noFill/>
+          </a:ln>
+        </p:spPr>
+        <p:style>
+          <a:lnRef idx="2">
+            <a:schemeClr val="accent1">
+              <a:shade val="50000"/>
+            </a:schemeClr>
+          </a:lnRef>
+          <a:fillRef idx="1">
+            <a:schemeClr val="accent1"/>
+          </a:fillRef>
+          <a:effectRef idx="0">
+            <a:schemeClr val="accent1"/>
+          </a:effectRef>
+          <a:fontRef idx="minor">
+            <a:schemeClr val="lt1"/>
+          </a:fontRef>
+        </p:style>
+        <p:txBody>
+          <a:bodyPr rtlCol="0" anchor="ctr"/>
+          <a:lstStyle/>
+          <a:p>
+            <a:pPr algn="ctr"/>
+            <a:r>
+              <a:rPr lang="en-US" b="1" dirty="0" err="1">
+                <a:solidFill>
+                  <a:schemeClr val="tx1">
+                    <a:lumMod val="85000"/>
+                    <a:lumOff val="15000"/>
+                  </a:schemeClr>
+                </a:solidFill>
+                <a:latin typeface="Segoe UI Light" panose="020B0502040204020203" pitchFamily="34" charset="0"/>
+                <a:cs typeface="Segoe UI Light" panose="020B0502040204020203" pitchFamily="34" charset="0"/>
+              </a:rPr>
+              <a:t>uCAN</a:t>
+            </a:r>
+            <a:r>
+              <a:rPr lang="en-US" b="1" dirty="0">
+                <a:solidFill>
+                  <a:schemeClr val="tx1">
+                    <a:lumMod val="85000"/>
+                    <a:lumOff val="15000"/>
+                  </a:schemeClr>
+                </a:solidFill>
+                <a:latin typeface="Segoe UI Light" panose="020B0502040204020203" pitchFamily="34" charset="0"/>
+                <a:cs typeface="Segoe UI Light" panose="020B0502040204020203" pitchFamily="34" charset="0"/>
+              </a:rPr>
+              <a:t> Bus</a:t>
+            </a:r>
+          </a:p>
+        </p:txBody>
+      </p:sp>
+      <p:sp>
+        <p:nvSpPr>
+          <p:cNvPr id="51" name="Rectangle 50"/>
+          <p:cNvSpPr/>
+          <p:nvPr/>
+        </p:nvSpPr>
+        <p:spPr>
+          <a:xfrm>
+            <a:off x="708838" y="3476844"/>
+            <a:ext cx="2502195" cy="2945221"/>
+          </a:xfrm>
+          <a:prstGeom prst="rect">
+            <a:avLst/>
+          </a:prstGeom>
+          <a:noFill/>
+          <a:ln>
+            <a:solidFill>
+              <a:schemeClr val="accent3">
+                <a:lumMod val="25000"/>
+              </a:schemeClr>
+            </a:solidFill>
+          </a:ln>
+        </p:spPr>
+        <p:style>
+          <a:lnRef idx="2">
+            <a:schemeClr val="accent1">
+              <a:shade val="50000"/>
+            </a:schemeClr>
+          </a:lnRef>
+          <a:fillRef idx="1">
+            <a:schemeClr val="accent1"/>
+          </a:fillRef>
+          <a:effectRef idx="0">
+            <a:schemeClr val="accent1"/>
+          </a:effectRef>
+          <a:fontRef idx="minor">
+            <a:schemeClr val="lt1"/>
+          </a:fontRef>
+        </p:style>
+        <p:txBody>
+          <a:bodyPr rtlCol="0" anchor="t"/>
+          <a:lstStyle/>
+          <a:p>
+            <a:r>
+              <a:rPr lang="en-US" dirty="0">
+                <a:solidFill>
+                  <a:sysClr val="windowText" lastClr="000000"/>
+                </a:solidFill>
+                <a:latin typeface="Segoe UI Light" panose="020B0502040204020203" pitchFamily="34" charset="0"/>
+                <a:cs typeface="Segoe UI Light" panose="020B0502040204020203" pitchFamily="34" charset="0"/>
+              </a:rPr>
+              <a:t>Vehicle</a:t>
+            </a:r>
+          </a:p>
+        </p:txBody>
+      </p:sp>
+      <p:sp>
+        <p:nvSpPr>
+          <p:cNvPr id="52" name="Rectangle 51"/>
+          <p:cNvSpPr/>
+          <p:nvPr/>
+        </p:nvSpPr>
+        <p:spPr>
+          <a:xfrm>
+            <a:off x="2115880" y="4015560"/>
+            <a:ext cx="832884" cy="2250551"/>
+          </a:xfrm>
+          <a:prstGeom prst="rect">
+            <a:avLst/>
+          </a:prstGeom>
+          <a:ln>
+            <a:noFill/>
+          </a:ln>
+        </p:spPr>
+        <p:style>
+          <a:lnRef idx="2">
+            <a:schemeClr val="accent1">
+              <a:shade val="50000"/>
+            </a:schemeClr>
+          </a:lnRef>
+          <a:fillRef idx="1">
+            <a:schemeClr val="accent1"/>
+          </a:fillRef>
+          <a:effectRef idx="0">
+            <a:schemeClr val="accent1"/>
+          </a:effectRef>
+          <a:fontRef idx="minor">
+            <a:schemeClr val="lt1"/>
+          </a:fontRef>
+        </p:style>
+        <p:txBody>
+          <a:bodyPr rtlCol="0" anchor="t"/>
+          <a:lstStyle/>
+          <a:p>
+            <a:pPr algn="ctr"/>
+            <a:r>
+              <a:rPr lang="en-US" b="1" dirty="0">
+                <a:solidFill>
+                  <a:schemeClr val="tx1">
+                    <a:lumMod val="85000"/>
+                    <a:lumOff val="15000"/>
+                  </a:schemeClr>
+                </a:solidFill>
+                <a:latin typeface="Segoe UI Light" panose="020B0502040204020203" pitchFamily="34" charset="0"/>
+                <a:cs typeface="Segoe UI Light" panose="020B0502040204020203" pitchFamily="34" charset="0"/>
+              </a:rPr>
+              <a:t>IoT Hub Client</a:t>
+            </a:r>
+          </a:p>
+        </p:txBody>
+      </p:sp>
+      <p:sp>
+        <p:nvSpPr>
+          <p:cNvPr id="53" name="Rectangle 52"/>
+          <p:cNvSpPr/>
+          <p:nvPr/>
+        </p:nvSpPr>
+        <p:spPr>
+          <a:xfrm>
+            <a:off x="3506973" y="3476844"/>
+            <a:ext cx="4183911" cy="2945221"/>
+          </a:xfrm>
+          <a:prstGeom prst="rect">
+            <a:avLst/>
+          </a:prstGeom>
+          <a:noFill/>
+          <a:ln>
+            <a:solidFill>
+              <a:schemeClr val="accent3">
+                <a:lumMod val="25000"/>
+              </a:schemeClr>
+            </a:solidFill>
+          </a:ln>
+        </p:spPr>
+        <p:style>
+          <a:lnRef idx="2">
+            <a:schemeClr val="accent1">
+              <a:shade val="50000"/>
+            </a:schemeClr>
+          </a:lnRef>
+          <a:fillRef idx="1">
+            <a:schemeClr val="accent1"/>
+          </a:fillRef>
+          <a:effectRef idx="0">
+            <a:schemeClr val="accent1"/>
+          </a:effectRef>
+          <a:fontRef idx="minor">
+            <a:schemeClr val="lt1"/>
+          </a:fontRef>
+        </p:style>
+        <p:txBody>
+          <a:bodyPr rtlCol="0" anchor="t"/>
+          <a:lstStyle/>
+          <a:p>
+            <a:r>
+              <a:rPr lang="en-US" dirty="0">
+                <a:solidFill>
+                  <a:sysClr val="windowText" lastClr="000000"/>
+                </a:solidFill>
+                <a:latin typeface="Segoe UI Light" panose="020B0502040204020203" pitchFamily="34" charset="0"/>
+                <a:cs typeface="Segoe UI Light" panose="020B0502040204020203" pitchFamily="34" charset="0"/>
+              </a:rPr>
+              <a:t>Azure - </a:t>
+            </a:r>
+            <a:r>
+              <a:rPr lang="en-US" dirty="0" err="1">
+                <a:solidFill>
+                  <a:sysClr val="windowText" lastClr="000000"/>
+                </a:solidFill>
+                <a:latin typeface="Segoe UI Light" panose="020B0502040204020203" pitchFamily="34" charset="0"/>
+                <a:cs typeface="Segoe UI Light" panose="020B0502040204020203" pitchFamily="34" charset="0"/>
+              </a:rPr>
+              <a:t>Vetuda</a:t>
+            </a:r>
+            <a:endParaRPr lang="en-US" dirty="0">
+              <a:solidFill>
+                <a:sysClr val="windowText" lastClr="000000"/>
+              </a:solidFill>
+              <a:latin typeface="Segoe UI Light" panose="020B0502040204020203" pitchFamily="34" charset="0"/>
+              <a:cs typeface="Segoe UI Light" panose="020B0502040204020203" pitchFamily="34" charset="0"/>
+            </a:endParaRPr>
+          </a:p>
+        </p:txBody>
+      </p:sp>
+      <p:sp>
+        <p:nvSpPr>
+          <p:cNvPr id="54" name="Rectangle 53"/>
+          <p:cNvSpPr/>
+          <p:nvPr/>
+        </p:nvSpPr>
+        <p:spPr>
+          <a:xfrm>
+            <a:off x="3664689" y="4015560"/>
+            <a:ext cx="832884" cy="1481469"/>
+          </a:xfrm>
+          <a:prstGeom prst="rect">
+            <a:avLst/>
+          </a:prstGeom>
+          <a:ln>
+            <a:noFill/>
+          </a:ln>
+        </p:spPr>
+        <p:style>
+          <a:lnRef idx="2">
+            <a:schemeClr val="accent1">
+              <a:shade val="50000"/>
+            </a:schemeClr>
+          </a:lnRef>
+          <a:fillRef idx="1">
+            <a:schemeClr val="accent1"/>
+          </a:fillRef>
+          <a:effectRef idx="0">
+            <a:schemeClr val="accent1"/>
+          </a:effectRef>
+          <a:fontRef idx="minor">
+            <a:schemeClr val="lt1"/>
+          </a:fontRef>
+        </p:style>
+        <p:txBody>
+          <a:bodyPr rtlCol="0" anchor="ctr"/>
+          <a:lstStyle/>
+          <a:p>
+            <a:pPr algn="ctr"/>
+            <a:r>
+              <a:rPr lang="en-US" b="1" dirty="0">
+                <a:solidFill>
+                  <a:schemeClr val="tx1">
+                    <a:lumMod val="85000"/>
+                    <a:lumOff val="15000"/>
+                  </a:schemeClr>
+                </a:solidFill>
+                <a:latin typeface="Segoe UI Light" panose="020B0502040204020203" pitchFamily="34" charset="0"/>
+                <a:cs typeface="Segoe UI Light" panose="020B0502040204020203" pitchFamily="34" charset="0"/>
+              </a:rPr>
+              <a:t>IoT Hub End point</a:t>
+            </a:r>
+          </a:p>
+        </p:txBody>
+      </p:sp>
+      <p:cxnSp>
+        <p:nvCxnSpPr>
+          <p:cNvPr id="59" name="Straight Arrow Connector 58"/>
+          <p:cNvCxnSpPr>
+            <a:endCxn id="54" idx="1"/>
+          </p:cNvCxnSpPr>
+          <p:nvPr/>
+        </p:nvCxnSpPr>
+        <p:spPr>
+          <a:xfrm>
+            <a:off x="2948764" y="4756294"/>
+            <a:ext cx="715925" cy="1"/>
+          </a:xfrm>
+          <a:prstGeom prst="straightConnector1">
+            <a:avLst/>
+          </a:prstGeom>
+          <a:ln w="38100">
+            <a:tailEnd type="triangle"/>
+          </a:ln>
+        </p:spPr>
+        <p:style>
+          <a:lnRef idx="1">
+            <a:schemeClr val="accent1"/>
+          </a:lnRef>
+          <a:fillRef idx="0">
+            <a:schemeClr val="accent1"/>
+          </a:fillRef>
+          <a:effectRef idx="0">
+            <a:schemeClr val="accent1"/>
+          </a:effectRef>
+          <a:fontRef idx="minor">
+            <a:schemeClr val="tx1"/>
+          </a:fontRef>
+        </p:style>
+      </p:cxnSp>
+      <p:sp>
+        <p:nvSpPr>
+          <p:cNvPr id="69" name="Rectangle 68"/>
+          <p:cNvSpPr/>
+          <p:nvPr/>
+        </p:nvSpPr>
+        <p:spPr>
+          <a:xfrm>
+            <a:off x="2200275" y="5617350"/>
+            <a:ext cx="743124" cy="602512"/>
+          </a:xfrm>
+          <a:prstGeom prst="rect">
+            <a:avLst/>
+          </a:prstGeom>
+          <a:solidFill>
+            <a:srgbClr val="00B0F0"/>
+          </a:solidFill>
+          <a:ln>
+            <a:noFill/>
+          </a:ln>
+        </p:spPr>
+        <p:style>
+          <a:lnRef idx="2">
+            <a:schemeClr val="accent1">
+              <a:shade val="50000"/>
+            </a:schemeClr>
+          </a:lnRef>
+          <a:fillRef idx="1">
+            <a:schemeClr val="accent1"/>
+          </a:fillRef>
+          <a:effectRef idx="0">
+            <a:schemeClr val="accent1"/>
+          </a:effectRef>
+          <a:fontRef idx="minor">
+            <a:schemeClr val="lt1"/>
+          </a:fontRef>
+        </p:style>
+        <p:txBody>
+          <a:bodyPr rtlCol="0" anchor="ctr"/>
+          <a:lstStyle/>
+          <a:p>
+            <a:pPr algn="ctr"/>
+            <a:r>
+              <a:rPr lang="en-US" sz="1600" b="1" dirty="0">
+                <a:solidFill>
+                  <a:schemeClr val="tx1">
+                    <a:lumMod val="85000"/>
+                    <a:lumOff val="15000"/>
+                  </a:schemeClr>
+                </a:solidFill>
+                <a:latin typeface="Segoe UI Light" panose="020B0502040204020203" pitchFamily="34" charset="0"/>
+                <a:cs typeface="Segoe UI Light" panose="020B0502040204020203" pitchFamily="34" charset="0"/>
+              </a:rPr>
+              <a:t>Twin agent</a:t>
+            </a:r>
+          </a:p>
+        </p:txBody>
+      </p:sp>
+      <p:sp>
+        <p:nvSpPr>
+          <p:cNvPr id="70" name="Rectangle 69"/>
+          <p:cNvSpPr/>
+          <p:nvPr/>
+        </p:nvSpPr>
+        <p:spPr>
+          <a:xfrm>
+            <a:off x="3671776" y="5578548"/>
+            <a:ext cx="832884" cy="687563"/>
+          </a:xfrm>
+          <a:prstGeom prst="rect">
+            <a:avLst/>
+          </a:prstGeom>
+          <a:ln>
+            <a:noFill/>
+          </a:ln>
+        </p:spPr>
+        <p:style>
+          <a:lnRef idx="2">
+            <a:schemeClr val="accent1">
+              <a:shade val="50000"/>
+            </a:schemeClr>
+          </a:lnRef>
+          <a:fillRef idx="1">
+            <a:schemeClr val="accent1"/>
+          </a:fillRef>
+          <a:effectRef idx="0">
+            <a:schemeClr val="accent1"/>
+          </a:effectRef>
+          <a:fontRef idx="minor">
+            <a:schemeClr val="lt1"/>
+          </a:fontRef>
+        </p:style>
+        <p:txBody>
+          <a:bodyPr rtlCol="0" anchor="ctr"/>
+          <a:lstStyle/>
+          <a:p>
+            <a:pPr algn="ctr"/>
+            <a:r>
+              <a:rPr lang="en-US" sz="1600" b="1" dirty="0">
+                <a:solidFill>
+                  <a:schemeClr val="tx1">
+                    <a:lumMod val="85000"/>
+                    <a:lumOff val="15000"/>
+                  </a:schemeClr>
+                </a:solidFill>
+                <a:latin typeface="Segoe UI Light" panose="020B0502040204020203" pitchFamily="34" charset="0"/>
+                <a:cs typeface="Segoe UI Light" panose="020B0502040204020203" pitchFamily="34" charset="0"/>
+              </a:rPr>
+              <a:t>Vehicle Twin</a:t>
+            </a:r>
+          </a:p>
+        </p:txBody>
+      </p:sp>
+      <p:sp>
+        <p:nvSpPr>
+          <p:cNvPr id="76" name="Rectangle 75"/>
+          <p:cNvSpPr/>
+          <p:nvPr/>
+        </p:nvSpPr>
+        <p:spPr>
+          <a:xfrm>
+            <a:off x="4618075" y="4015559"/>
+            <a:ext cx="1004777" cy="2250552"/>
+          </a:xfrm>
+          <a:prstGeom prst="rect">
+            <a:avLst/>
+          </a:prstGeom>
+          <a:ln>
+            <a:noFill/>
+          </a:ln>
+        </p:spPr>
+        <p:style>
+          <a:lnRef idx="2">
+            <a:schemeClr val="accent1">
+              <a:shade val="50000"/>
+            </a:schemeClr>
+          </a:lnRef>
+          <a:fillRef idx="1">
+            <a:schemeClr val="accent1"/>
+          </a:fillRef>
+          <a:effectRef idx="0">
+            <a:schemeClr val="accent1"/>
+          </a:effectRef>
+          <a:fontRef idx="minor">
+            <a:schemeClr val="lt1"/>
+          </a:fontRef>
+        </p:style>
+        <p:txBody>
+          <a:bodyPr rtlCol="0" anchor="ctr"/>
+          <a:lstStyle/>
+          <a:p>
+            <a:pPr algn="ctr"/>
+            <a:r>
+              <a:rPr lang="en-US" b="1" dirty="0">
+                <a:solidFill>
+                  <a:schemeClr val="tx1">
+                    <a:lumMod val="85000"/>
+                    <a:lumOff val="15000"/>
+                  </a:schemeClr>
+                </a:solidFill>
+                <a:latin typeface="Segoe UI Light" panose="020B0502040204020203" pitchFamily="34" charset="0"/>
+                <a:cs typeface="Segoe UI Light" panose="020B0502040204020203" pitchFamily="34" charset="0"/>
+              </a:rPr>
+              <a:t>Device Registry</a:t>
+            </a:r>
+          </a:p>
+        </p:txBody>
+      </p:sp>
+      <p:cxnSp>
+        <p:nvCxnSpPr>
+          <p:cNvPr id="78" name="Straight Arrow Connector 77"/>
+          <p:cNvCxnSpPr>
+            <a:stCxn id="70" idx="1"/>
+            <a:endCxn id="69" idx="3"/>
+          </p:cNvCxnSpPr>
+          <p:nvPr/>
+        </p:nvCxnSpPr>
+        <p:spPr>
+          <a:xfrm flipH="1" flipV="1">
+            <a:off x="2943399" y="5918606"/>
+            <a:ext cx="728377" cy="3724"/>
+          </a:xfrm>
+          <a:prstGeom prst="straightConnector1">
+            <a:avLst/>
+          </a:prstGeom>
+          <a:ln w="38100">
+            <a:headEnd type="triangle" w="med" len="med"/>
+            <a:tailEnd type="triangle" w="med" len="med"/>
+          </a:ln>
+        </p:spPr>
+        <p:style>
+          <a:lnRef idx="1">
+            <a:schemeClr val="accent1"/>
+          </a:lnRef>
+          <a:fillRef idx="0">
+            <a:schemeClr val="accent1"/>
+          </a:fillRef>
+          <a:effectRef idx="0">
+            <a:schemeClr val="accent1"/>
+          </a:effectRef>
+          <a:fontRef idx="minor">
+            <a:schemeClr val="tx1"/>
+          </a:fontRef>
+        </p:style>
+      </p:cxnSp>
+      <p:sp>
+        <p:nvSpPr>
+          <p:cNvPr id="85" name="Rectangle 84"/>
+          <p:cNvSpPr/>
+          <p:nvPr/>
+        </p:nvSpPr>
+        <p:spPr>
+          <a:xfrm>
+            <a:off x="5743354" y="3997841"/>
+            <a:ext cx="1741967" cy="2268270"/>
+          </a:xfrm>
+          <a:prstGeom prst="rect">
+            <a:avLst/>
+          </a:prstGeom>
+          <a:solidFill>
+            <a:schemeClr val="accent2"/>
+          </a:solidFill>
+          <a:ln>
+            <a:noFill/>
+          </a:ln>
+        </p:spPr>
+        <p:style>
+          <a:lnRef idx="2">
+            <a:schemeClr val="accent1">
+              <a:shade val="50000"/>
+            </a:schemeClr>
+          </a:lnRef>
+          <a:fillRef idx="1">
+            <a:schemeClr val="accent1"/>
+          </a:fillRef>
+          <a:effectRef idx="0">
+            <a:schemeClr val="accent1"/>
+          </a:effectRef>
+          <a:fontRef idx="minor">
+            <a:schemeClr val="lt1"/>
+          </a:fontRef>
+        </p:style>
+        <p:txBody>
+          <a:bodyPr rtlCol="0" anchor="ctr"/>
+          <a:lstStyle/>
+          <a:p>
+            <a:pPr algn="ctr"/>
+            <a:r>
+              <a:rPr lang="en-US" b="1" dirty="0" err="1">
+                <a:latin typeface="Segoe UI Light" panose="020B0502040204020203" pitchFamily="34" charset="0"/>
+                <a:cs typeface="Segoe UI Light" panose="020B0502040204020203" pitchFamily="34" charset="0"/>
+              </a:rPr>
+              <a:t>Vetuda</a:t>
+            </a:r>
+            <a:endParaRPr lang="en-US" b="1" dirty="0">
+              <a:latin typeface="Segoe UI Light" panose="020B0502040204020203" pitchFamily="34" charset="0"/>
+              <a:cs typeface="Segoe UI Light" panose="020B0502040204020203" pitchFamily="34" charset="0"/>
+            </a:endParaRPr>
+          </a:p>
+          <a:p>
+            <a:pPr algn="ctr"/>
+            <a:endParaRPr lang="en-US" b="1" dirty="0">
+              <a:latin typeface="Segoe UI Light" panose="020B0502040204020203" pitchFamily="34" charset="0"/>
+              <a:cs typeface="Segoe UI Light" panose="020B0502040204020203" pitchFamily="34" charset="0"/>
+            </a:endParaRPr>
+          </a:p>
+          <a:p>
+            <a:pPr algn="ctr"/>
+            <a:r>
+              <a:rPr lang="en-US" b="1" dirty="0">
+                <a:latin typeface="Segoe UI Light" panose="020B0502040204020203" pitchFamily="34" charset="0"/>
+                <a:cs typeface="Segoe UI Light" panose="020B0502040204020203" pitchFamily="34" charset="0"/>
+              </a:rPr>
+              <a:t>Back-end</a:t>
+            </a:r>
+          </a:p>
+        </p:txBody>
+      </p:sp>
+    </p:spTree>
+    <p:extLst>
+      <p:ext uri="{BB962C8B-B14F-4D97-AF65-F5344CB8AC3E}">
+        <p14:creationId xmlns:p14="http://schemas.microsoft.com/office/powerpoint/2010/main" val="1999484870"/>
+      </p:ext>
+    </p:extLst>
+  </p:cSld>
+  <p:clrMapOvr>
+    <a:masterClrMapping/>
+  </p:clrMapOvr>
+</p:sld>
+</file>
+
 <file path=ppt/theme/theme1.xml><?xml version="1.0" encoding="utf-8"?>
 <a:theme xmlns:a="http://schemas.openxmlformats.org/drawingml/2006/main" name="Office Theme">
   <a:themeElements>
